--- a/lab_3/task_2/task_2.pptx
+++ b/lab_3/task_2/task_2.pptx
@@ -4699,7 +4699,7 @@
             </a:r>
             <a:r>
               <a:rPr lang="pl-PL" sz="900" i="1" dirty="0" err="1"/>
-              <a:t>value</a:t>
+              <a:t>values</a:t>
             </a:r>
             <a:r>
               <a:rPr lang="pl-PL" sz="900" dirty="0"/>
@@ -4785,7 +4785,7 @@
             </a:r>
             <a:r>
               <a:rPr lang="pl-PL" sz="900" dirty="0"/>
-              <a:t> &gt; 1</a:t>
+              <a:t> &gt;= 1</a:t>
             </a:r>
             <a:endParaRPr lang="pl-PL" sz="900" i="1" dirty="0"/>
           </a:p>
@@ -5543,7 +5543,7 @@
             </a:r>
             <a:r>
               <a:rPr lang="pl-PL" sz="900" dirty="0"/>
-              <a:t> &gt; 1</a:t>
+              <a:t> &gt;= 1</a:t>
             </a:r>
             <a:endParaRPr lang="pl-PL" sz="900" i="1" dirty="0"/>
           </a:p>
